--- a/doc/#1_basic/Basic_class_04.pptx
+++ b/doc/#1_basic/Basic_class_04.pptx
@@ -247,7 +247,7 @@
           <a:p>
             <a:fld id="{DBEFAE78-189D-4A7D-9189-B6B2058620B8}" type="datetimeFigureOut">
               <a:rPr lang="ko-KR" altLang="en-US" smtClean="0"/>
-              <a:t>2020-12-26</a:t>
+              <a:t>2021-07-25</a:t>
             </a:fld>
             <a:endParaRPr lang="ko-KR" altLang="en-US"/>
           </a:p>
@@ -740,7 +740,7 @@
           <a:p>
             <a:fld id="{1D8BD707-D9CF-40AE-B4C6-C98DA3205C09}" type="datetimeFigureOut">
               <a:rPr lang="en-US" smtClean="0"/>
-              <a:t>12/26/2020</a:t>
+              <a:t>7/25/2021</a:t>
             </a:fld>
             <a:endParaRPr lang="en-US"/>
           </a:p>
@@ -910,7 +910,7 @@
           <a:p>
             <a:fld id="{1D8BD707-D9CF-40AE-B4C6-C98DA3205C09}" type="datetimeFigureOut">
               <a:rPr lang="en-US" smtClean="0"/>
-              <a:t>12/26/2020</a:t>
+              <a:t>7/25/2021</a:t>
             </a:fld>
             <a:endParaRPr lang="en-US"/>
           </a:p>
@@ -1090,7 +1090,7 @@
           <a:p>
             <a:fld id="{1D8BD707-D9CF-40AE-B4C6-C98DA3205C09}" type="datetimeFigureOut">
               <a:rPr lang="en-US" smtClean="0"/>
-              <a:t>12/26/2020</a:t>
+              <a:t>7/25/2021</a:t>
             </a:fld>
             <a:endParaRPr lang="en-US"/>
           </a:p>
@@ -1260,7 +1260,7 @@
           <a:p>
             <a:fld id="{1D8BD707-D9CF-40AE-B4C6-C98DA3205C09}" type="datetimeFigureOut">
               <a:rPr lang="en-US" smtClean="0"/>
-              <a:t>12/26/2020</a:t>
+              <a:t>7/25/2021</a:t>
             </a:fld>
             <a:endParaRPr lang="en-US"/>
           </a:p>
@@ -1511,7 +1511,7 @@
           <a:p>
             <a:fld id="{1D8BD707-D9CF-40AE-B4C6-C98DA3205C09}" type="datetimeFigureOut">
               <a:rPr lang="en-US" smtClean="0"/>
-              <a:t>12/26/2020</a:t>
+              <a:t>7/25/2021</a:t>
             </a:fld>
             <a:endParaRPr lang="en-US"/>
           </a:p>
@@ -1743,7 +1743,7 @@
           <a:p>
             <a:fld id="{1D8BD707-D9CF-40AE-B4C6-C98DA3205C09}" type="datetimeFigureOut">
               <a:rPr lang="en-US" smtClean="0"/>
-              <a:t>12/26/2020</a:t>
+              <a:t>7/25/2021</a:t>
             </a:fld>
             <a:endParaRPr lang="en-US"/>
           </a:p>
@@ -2090,7 +2090,7 @@
           <a:p>
             <a:fld id="{1D8BD707-D9CF-40AE-B4C6-C98DA3205C09}" type="datetimeFigureOut">
               <a:rPr lang="en-US" smtClean="0"/>
-              <a:t>12/26/2020</a:t>
+              <a:t>7/25/2021</a:t>
             </a:fld>
             <a:endParaRPr lang="en-US"/>
           </a:p>
@@ -2208,7 +2208,7 @@
           <a:p>
             <a:fld id="{1D8BD707-D9CF-40AE-B4C6-C98DA3205C09}" type="datetimeFigureOut">
               <a:rPr lang="en-US" smtClean="0"/>
-              <a:t>12/26/2020</a:t>
+              <a:t>7/25/2021</a:t>
             </a:fld>
             <a:endParaRPr lang="en-US"/>
           </a:p>
@@ -2326,7 +2326,7 @@
           <a:p>
             <a:fld id="{1D8BD707-D9CF-40AE-B4C6-C98DA3205C09}" type="datetimeFigureOut">
               <a:rPr lang="en-US" smtClean="0"/>
-              <a:t>12/26/2020</a:t>
+              <a:t>7/25/2021</a:t>
             </a:fld>
             <a:endParaRPr lang="en-US"/>
           </a:p>
@@ -2610,7 +2610,7 @@
           <a:p>
             <a:fld id="{1D8BD707-D9CF-40AE-B4C6-C98DA3205C09}" type="datetimeFigureOut">
               <a:rPr lang="en-US" smtClean="0"/>
-              <a:t>12/26/2020</a:t>
+              <a:t>7/25/2021</a:t>
             </a:fld>
             <a:endParaRPr lang="en-US"/>
           </a:p>
@@ -2874,7 +2874,7 @@
           <a:p>
             <a:fld id="{1D8BD707-D9CF-40AE-B4C6-C98DA3205C09}" type="datetimeFigureOut">
               <a:rPr lang="en-US" smtClean="0"/>
-              <a:t>12/26/2020</a:t>
+              <a:t>7/25/2021</a:t>
             </a:fld>
             <a:endParaRPr lang="en-US"/>
           </a:p>
@@ -3088,7 +3088,7 @@
           <a:p>
             <a:fld id="{1D8BD707-D9CF-40AE-B4C6-C98DA3205C09}" type="datetimeFigureOut">
               <a:rPr lang="en-US" smtClean="0"/>
-              <a:t>12/26/2020</a:t>
+              <a:t>7/25/2021</a:t>
             </a:fld>
             <a:endParaRPr lang="en-US"/>
           </a:p>
@@ -14433,35 +14433,6 @@
               <a:t>의 배수의 합</a:t>
             </a:r>
             <a:endParaRPr spc="-5" dirty="0"/>
-          </a:p>
-        </p:txBody>
-      </p:sp>
-      <p:sp>
-        <p:nvSpPr>
-          <p:cNvPr id="4" name="object 4"/>
-          <p:cNvSpPr/>
-          <p:nvPr/>
-        </p:nvSpPr>
-        <p:spPr>
-          <a:xfrm>
-            <a:off x="0" y="1403603"/>
-            <a:ext cx="12192000" cy="106679"/>
-          </a:xfrm>
-          <a:prstGeom prst="rect">
-            <a:avLst/>
-          </a:prstGeom>
-          <a:blipFill>
-            <a:blip r:embed="rId2" cstate="print"/>
-            <a:stretch>
-              <a:fillRect/>
-            </a:stretch>
-          </a:blipFill>
-        </p:spPr>
-        <p:txBody>
-          <a:bodyPr wrap="square" lIns="0" tIns="0" rIns="0" bIns="0" rtlCol="0"/>
-          <a:lstStyle/>
-          <a:p>
-            <a:endParaRPr/>
           </a:p>
         </p:txBody>
       </p:sp>
